--- a/docs/images/anatomy_of_ggplot.pptx
+++ b/docs/images/anatomy_of_ggplot.pptx
@@ -2124,7 +2124,7 @@
           </a:ln>
           <a:extLst>
             <a:ext uri="{C572A759-6A51-4108-AA02-DFA0A04FC94B}">
-              <ma14:wrappingTextBoxFlag xmlns="" xmlns:m="http://schemas.openxmlformats.org/officeDocument/2006/math" xmlns:a14="http://schemas.microsoft.com/office/drawing/2010/main" xmlns:ma14="http://schemas.microsoft.com/office/mac/drawingml/2011/main" val="1"/>
+              <ma14:wrappingTextBoxFlag xmlns:ma14="http://schemas.microsoft.com/office/mac/drawingml/2011/main" xmlns:a14="http://schemas.microsoft.com/office/drawing/2010/main" xmlns:m="http://schemas.openxmlformats.org/officeDocument/2006/math" xmlns="" val="1"/>
             </a:ext>
           </a:extLst>
         </p:spPr>
@@ -2163,7 +2163,7 @@
           </a:ln>
           <a:extLst>
             <a:ext uri="{C572A759-6A51-4108-AA02-DFA0A04FC94B}">
-              <ma14:wrappingTextBoxFlag xmlns="" xmlns:m="http://schemas.openxmlformats.org/officeDocument/2006/math" xmlns:a14="http://schemas.microsoft.com/office/drawing/2010/main" xmlns:ma14="http://schemas.microsoft.com/office/mac/drawingml/2011/main" val="1"/>
+              <ma14:wrappingTextBoxFlag xmlns:ma14="http://schemas.microsoft.com/office/mac/drawingml/2011/main" xmlns:a14="http://schemas.microsoft.com/office/drawing/2010/main" xmlns:m="http://schemas.openxmlformats.org/officeDocument/2006/math" xmlns="" val="1"/>
             </a:ext>
           </a:extLst>
         </p:spPr>
@@ -3216,7 +3216,7 @@
           </a:ln>
           <a:extLst>
             <a:ext uri="{C572A759-6A51-4108-AA02-DFA0A04FC94B}">
-              <ma14:wrappingTextBoxFlag xmlns="" xmlns:m="http://schemas.openxmlformats.org/officeDocument/2006/math" xmlns:a14="http://schemas.microsoft.com/office/drawing/2010/main" xmlns:ma14="http://schemas.microsoft.com/office/mac/drawingml/2011/main" val="1"/>
+              <ma14:wrappingTextBoxFlag xmlns:ma14="http://schemas.microsoft.com/office/mac/drawingml/2011/main" xmlns:a14="http://schemas.microsoft.com/office/drawing/2010/main" xmlns:m="http://schemas.openxmlformats.org/officeDocument/2006/math" xmlns="" val="1"/>
             </a:ext>
           </a:extLst>
         </p:spPr>
@@ -3323,14 +3323,13 @@
               </a:ext>
             </a:extLst>
           </a:blip>
-          <a:stretch>
-            <a:fillRect/>
-          </a:stretch>
+          <a:srcRect/>
+          <a:stretch/>
         </p:blipFill>
         <p:spPr>
           <a:xfrm>
             <a:off x="763038" y="845609"/>
-            <a:ext cx="12542416" cy="9468294"/>
+            <a:ext cx="12542415" cy="9468294"/>
           </a:xfrm>
           <a:prstGeom prst="rect">
             <a:avLst/>
